--- a/2022/June_Batch/5Javascript/2August/06-08-22/5javascript -JS-Date.pptx
+++ b/2022/June_Batch/5Javascript/2August/06-08-22/5javascript -JS-Date.pptx
@@ -114,7 +114,7 @@
   </p:defaultTextStyle>
   <p:extLst>
     <p:ext uri="{EFAFB233-063F-42B5-8137-9DF3F51BA10A}">
-      <p15:sldGuideLst xmlns="" xmlns:p15="http://schemas.microsoft.com/office/powerpoint/2012/main">
+      <p15:sldGuideLst xmlns:p15="http://schemas.microsoft.com/office/powerpoint/2012/main" xmlns="">
         <p15:guide id="1" orient="horz" pos="2160">
           <p15:clr>
             <a:srgbClr val="A4A3A4"/>
@@ -263,7 +263,7 @@
             <a:fld id="{7FCC5AE5-E495-4913-B643-A95A6AFABB00}" type="datetimeFigureOut">
               <a:rPr kumimoji="1" lang="ja-JP" altLang="en-US" smtClean="0"/>
               <a:pPr/>
-              <a:t>2022/8/5</a:t>
+              <a:t>2022/8/6</a:t>
             </a:fld>
             <a:endParaRPr kumimoji="1" lang="ja-JP" altLang="en-US"/>
           </a:p>
@@ -315,7 +315,7 @@
     </p:spTree>
     <p:extLst>
       <p:ext uri="{BB962C8B-B14F-4D97-AF65-F5344CB8AC3E}">
-        <p14:creationId xmlns="" xmlns:p14="http://schemas.microsoft.com/office/powerpoint/2010/main" val="3096064434"/>
+        <p14:creationId xmlns:p14="http://schemas.microsoft.com/office/powerpoint/2010/main" xmlns="" val="3096064434"/>
       </p:ext>
     </p:extLst>
   </p:cSld>
@@ -435,7 +435,7 @@
             <a:fld id="{7FCC5AE5-E495-4913-B643-A95A6AFABB00}" type="datetimeFigureOut">
               <a:rPr kumimoji="1" lang="ja-JP" altLang="en-US" smtClean="0"/>
               <a:pPr/>
-              <a:t>2022/8/5</a:t>
+              <a:t>2022/8/6</a:t>
             </a:fld>
             <a:endParaRPr kumimoji="1" lang="ja-JP" altLang="en-US"/>
           </a:p>
@@ -487,7 +487,7 @@
     </p:spTree>
     <p:extLst>
       <p:ext uri="{BB962C8B-B14F-4D97-AF65-F5344CB8AC3E}">
-        <p14:creationId xmlns="" xmlns:p14="http://schemas.microsoft.com/office/powerpoint/2010/main" val="71407721"/>
+        <p14:creationId xmlns:p14="http://schemas.microsoft.com/office/powerpoint/2010/main" xmlns="" val="71407721"/>
       </p:ext>
     </p:extLst>
   </p:cSld>
@@ -617,7 +617,7 @@
             <a:fld id="{7FCC5AE5-E495-4913-B643-A95A6AFABB00}" type="datetimeFigureOut">
               <a:rPr kumimoji="1" lang="ja-JP" altLang="en-US" smtClean="0"/>
               <a:pPr/>
-              <a:t>2022/8/5</a:t>
+              <a:t>2022/8/6</a:t>
             </a:fld>
             <a:endParaRPr kumimoji="1" lang="ja-JP" altLang="en-US"/>
           </a:p>
@@ -669,7 +669,7 @@
     </p:spTree>
     <p:extLst>
       <p:ext uri="{BB962C8B-B14F-4D97-AF65-F5344CB8AC3E}">
-        <p14:creationId xmlns="" xmlns:p14="http://schemas.microsoft.com/office/powerpoint/2010/main" val="3852493858"/>
+        <p14:creationId xmlns:p14="http://schemas.microsoft.com/office/powerpoint/2010/main" xmlns="" val="3852493858"/>
       </p:ext>
     </p:extLst>
   </p:cSld>
@@ -789,7 +789,7 @@
             <a:fld id="{7FCC5AE5-E495-4913-B643-A95A6AFABB00}" type="datetimeFigureOut">
               <a:rPr kumimoji="1" lang="ja-JP" altLang="en-US" smtClean="0"/>
               <a:pPr/>
-              <a:t>2022/8/5</a:t>
+              <a:t>2022/8/6</a:t>
             </a:fld>
             <a:endParaRPr kumimoji="1" lang="ja-JP" altLang="en-US"/>
           </a:p>
@@ -841,7 +841,7 @@
     </p:spTree>
     <p:extLst>
       <p:ext uri="{BB962C8B-B14F-4D97-AF65-F5344CB8AC3E}">
-        <p14:creationId xmlns="" xmlns:p14="http://schemas.microsoft.com/office/powerpoint/2010/main" val="282795843"/>
+        <p14:creationId xmlns:p14="http://schemas.microsoft.com/office/powerpoint/2010/main" xmlns="" val="282795843"/>
       </p:ext>
     </p:extLst>
   </p:cSld>
@@ -1037,7 +1037,7 @@
             <a:fld id="{7FCC5AE5-E495-4913-B643-A95A6AFABB00}" type="datetimeFigureOut">
               <a:rPr kumimoji="1" lang="ja-JP" altLang="en-US" smtClean="0"/>
               <a:pPr/>
-              <a:t>2022/8/5</a:t>
+              <a:t>2022/8/6</a:t>
             </a:fld>
             <a:endParaRPr kumimoji="1" lang="ja-JP" altLang="en-US"/>
           </a:p>
@@ -1089,7 +1089,7 @@
     </p:spTree>
     <p:extLst>
       <p:ext uri="{BB962C8B-B14F-4D97-AF65-F5344CB8AC3E}">
-        <p14:creationId xmlns="" xmlns:p14="http://schemas.microsoft.com/office/powerpoint/2010/main" val="1315004973"/>
+        <p14:creationId xmlns:p14="http://schemas.microsoft.com/office/powerpoint/2010/main" xmlns="" val="1315004973"/>
       </p:ext>
     </p:extLst>
   </p:cSld>
@@ -1271,7 +1271,7 @@
             <a:fld id="{7FCC5AE5-E495-4913-B643-A95A6AFABB00}" type="datetimeFigureOut">
               <a:rPr kumimoji="1" lang="ja-JP" altLang="en-US" smtClean="0"/>
               <a:pPr/>
-              <a:t>2022/8/5</a:t>
+              <a:t>2022/8/6</a:t>
             </a:fld>
             <a:endParaRPr kumimoji="1" lang="ja-JP" altLang="en-US"/>
           </a:p>
@@ -1323,7 +1323,7 @@
     </p:spTree>
     <p:extLst>
       <p:ext uri="{BB962C8B-B14F-4D97-AF65-F5344CB8AC3E}">
-        <p14:creationId xmlns="" xmlns:p14="http://schemas.microsoft.com/office/powerpoint/2010/main" val="3048296005"/>
+        <p14:creationId xmlns:p14="http://schemas.microsoft.com/office/powerpoint/2010/main" xmlns="" val="3048296005"/>
       </p:ext>
     </p:extLst>
   </p:cSld>
@@ -1640,7 +1640,7 @@
             <a:fld id="{7FCC5AE5-E495-4913-B643-A95A6AFABB00}" type="datetimeFigureOut">
               <a:rPr kumimoji="1" lang="ja-JP" altLang="en-US" smtClean="0"/>
               <a:pPr/>
-              <a:t>2022/8/5</a:t>
+              <a:t>2022/8/6</a:t>
             </a:fld>
             <a:endParaRPr kumimoji="1" lang="ja-JP" altLang="en-US"/>
           </a:p>
@@ -1692,7 +1692,7 @@
     </p:spTree>
     <p:extLst>
       <p:ext uri="{BB962C8B-B14F-4D97-AF65-F5344CB8AC3E}">
-        <p14:creationId xmlns="" xmlns:p14="http://schemas.microsoft.com/office/powerpoint/2010/main" val="890299385"/>
+        <p14:creationId xmlns:p14="http://schemas.microsoft.com/office/powerpoint/2010/main" xmlns="" val="890299385"/>
       </p:ext>
     </p:extLst>
   </p:cSld>
@@ -1760,7 +1760,7 @@
             <a:fld id="{7FCC5AE5-E495-4913-B643-A95A6AFABB00}" type="datetimeFigureOut">
               <a:rPr kumimoji="1" lang="ja-JP" altLang="en-US" smtClean="0"/>
               <a:pPr/>
-              <a:t>2022/8/5</a:t>
+              <a:t>2022/8/6</a:t>
             </a:fld>
             <a:endParaRPr kumimoji="1" lang="ja-JP" altLang="en-US"/>
           </a:p>
@@ -1812,7 +1812,7 @@
     </p:spTree>
     <p:extLst>
       <p:ext uri="{BB962C8B-B14F-4D97-AF65-F5344CB8AC3E}">
-        <p14:creationId xmlns="" xmlns:p14="http://schemas.microsoft.com/office/powerpoint/2010/main" val="2049573599"/>
+        <p14:creationId xmlns:p14="http://schemas.microsoft.com/office/powerpoint/2010/main" xmlns="" val="2049573599"/>
       </p:ext>
     </p:extLst>
   </p:cSld>
@@ -1857,7 +1857,7 @@
             <a:fld id="{7FCC5AE5-E495-4913-B643-A95A6AFABB00}" type="datetimeFigureOut">
               <a:rPr kumimoji="1" lang="ja-JP" altLang="en-US" smtClean="0"/>
               <a:pPr/>
-              <a:t>2022/8/5</a:t>
+              <a:t>2022/8/6</a:t>
             </a:fld>
             <a:endParaRPr kumimoji="1" lang="ja-JP" altLang="en-US"/>
           </a:p>
@@ -1909,7 +1909,7 @@
     </p:spTree>
     <p:extLst>
       <p:ext uri="{BB962C8B-B14F-4D97-AF65-F5344CB8AC3E}">
-        <p14:creationId xmlns="" xmlns:p14="http://schemas.microsoft.com/office/powerpoint/2010/main" val="1896888541"/>
+        <p14:creationId xmlns:p14="http://schemas.microsoft.com/office/powerpoint/2010/main" xmlns="" val="1896888541"/>
       </p:ext>
     </p:extLst>
   </p:cSld>
@@ -2136,7 +2136,7 @@
             <a:fld id="{7FCC5AE5-E495-4913-B643-A95A6AFABB00}" type="datetimeFigureOut">
               <a:rPr kumimoji="1" lang="ja-JP" altLang="en-US" smtClean="0"/>
               <a:pPr/>
-              <a:t>2022/8/5</a:t>
+              <a:t>2022/8/6</a:t>
             </a:fld>
             <a:endParaRPr kumimoji="1" lang="ja-JP" altLang="en-US"/>
           </a:p>
@@ -2188,7 +2188,7 @@
     </p:spTree>
     <p:extLst>
       <p:ext uri="{BB962C8B-B14F-4D97-AF65-F5344CB8AC3E}">
-        <p14:creationId xmlns="" xmlns:p14="http://schemas.microsoft.com/office/powerpoint/2010/main" val="1581260034"/>
+        <p14:creationId xmlns:p14="http://schemas.microsoft.com/office/powerpoint/2010/main" xmlns="" val="1581260034"/>
       </p:ext>
     </p:extLst>
   </p:cSld>
@@ -2395,7 +2395,7 @@
             <a:fld id="{7FCC5AE5-E495-4913-B643-A95A6AFABB00}" type="datetimeFigureOut">
               <a:rPr kumimoji="1" lang="ja-JP" altLang="en-US" smtClean="0"/>
               <a:pPr/>
-              <a:t>2022/8/5</a:t>
+              <a:t>2022/8/6</a:t>
             </a:fld>
             <a:endParaRPr kumimoji="1" lang="ja-JP" altLang="en-US"/>
           </a:p>
@@ -2447,7 +2447,7 @@
     </p:spTree>
     <p:extLst>
       <p:ext uri="{BB962C8B-B14F-4D97-AF65-F5344CB8AC3E}">
-        <p14:creationId xmlns="" xmlns:p14="http://schemas.microsoft.com/office/powerpoint/2010/main" val="2397771766"/>
+        <p14:creationId xmlns:p14="http://schemas.microsoft.com/office/powerpoint/2010/main" xmlns="" val="2397771766"/>
       </p:ext>
     </p:extLst>
   </p:cSld>
@@ -2610,7 +2610,7 @@
             <a:fld id="{7FCC5AE5-E495-4913-B643-A95A6AFABB00}" type="datetimeFigureOut">
               <a:rPr kumimoji="1" lang="ja-JP" altLang="en-US" smtClean="0"/>
               <a:pPr/>
-              <a:t>2022/8/5</a:t>
+              <a:t>2022/8/6</a:t>
             </a:fld>
             <a:endParaRPr kumimoji="1" lang="ja-JP" altLang="en-US"/>
           </a:p>
@@ -2700,7 +2700,7 @@
           <p:cNvPr id="7" name="TextBox 6">
             <a:extLst>
               <a:ext uri="{FF2B5EF4-FFF2-40B4-BE49-F238E27FC236}">
-                <a16:creationId xmlns="" xmlns:a16="http://schemas.microsoft.com/office/drawing/2014/main" id="{847969B0-9AAB-4EBF-AF99-17A470D83F03}"/>
+                <a16:creationId xmlns:a16="http://schemas.microsoft.com/office/drawing/2014/main" xmlns="" id="{847969B0-9AAB-4EBF-AF99-17A470D83F03}"/>
               </a:ext>
             </a:extLst>
           </p:cNvPr>
@@ -2747,7 +2747,7 @@
     </p:spTree>
     <p:extLst>
       <p:ext uri="{BB962C8B-B14F-4D97-AF65-F5344CB8AC3E}">
-        <p14:creationId xmlns="" xmlns:p14="http://schemas.microsoft.com/office/powerpoint/2010/main" val="492407304"/>
+        <p14:creationId xmlns:p14="http://schemas.microsoft.com/office/powerpoint/2010/main" xmlns="" val="492407304"/>
       </p:ext>
     </p:extLst>
   </p:cSld>
@@ -3155,7 +3155,7 @@
     </p:spTree>
     <p:extLst>
       <p:ext uri="{BB962C8B-B14F-4D97-AF65-F5344CB8AC3E}">
-        <p14:creationId xmlns="" xmlns:p14="http://schemas.microsoft.com/office/powerpoint/2010/main" val="4062787881"/>
+        <p14:creationId xmlns:p14="http://schemas.microsoft.com/office/powerpoint/2010/main" xmlns="" val="4062787881"/>
       </p:ext>
     </p:extLst>
   </p:cSld>
@@ -4137,7 +4137,7 @@
   <a:extraClrSchemeLst/>
   <a:extLst>
     <a:ext uri="{05A4C25C-085E-4340-85A3-A5531E510DB2}">
-      <thm15:themeFamily xmlns="" xmlns:thm15="http://schemas.microsoft.com/office/thememl/2012/main" name="Office Theme" id="{62F939B6-93AF-4DB8-9C6B-D6C7DFDC589F}" vid="{4A3C46E8-61CC-4603-A589-7422A47A8E4A}"/>
+      <thm15:themeFamily xmlns:thm15="http://schemas.microsoft.com/office/thememl/2012/main" xmlns="" name="Office Theme" id="{62F939B6-93AF-4DB8-9C6B-D6C7DFDC589F}" vid="{4A3C46E8-61CC-4603-A589-7422A47A8E4A}"/>
     </a:ext>
   </a:extLst>
 </a:theme>
